--- a/classes/stats2020/Lecture09.pptx
+++ b/classes/stats2020/Lecture09.pptx
@@ -249,7 +249,7 @@
             <a:fld id="{57F0045E-6A9C-480D-9DC3-894B83D6DB9F}" type="datetimeFigureOut">
               <a:rPr lang="en-US" smtClean="0"/>
               <a:pPr/>
-              <a:t>2/11/2019</a:t>
+              <a:t>2/25/2020</a:t>
             </a:fld>
             <a:endParaRPr lang="en-US"/>
           </a:p>
@@ -1482,7 +1482,7 @@
             <a:fld id="{1D8BD707-D9CF-40AE-B4C6-C98DA3205C09}" type="datetimeFigureOut">
               <a:rPr lang="en-US" smtClean="0"/>
               <a:pPr/>
-              <a:t>2/11/2019</a:t>
+              <a:t>2/25/2020</a:t>
             </a:fld>
             <a:endParaRPr lang="en-US"/>
           </a:p>
@@ -1647,7 +1647,7 @@
             <a:fld id="{1D8BD707-D9CF-40AE-B4C6-C98DA3205C09}" type="datetimeFigureOut">
               <a:rPr lang="en-US" smtClean="0"/>
               <a:pPr/>
-              <a:t>2/11/2019</a:t>
+              <a:t>2/25/2020</a:t>
             </a:fld>
             <a:endParaRPr lang="en-US"/>
           </a:p>
@@ -1822,7 +1822,7 @@
             <a:fld id="{1D8BD707-D9CF-40AE-B4C6-C98DA3205C09}" type="datetimeFigureOut">
               <a:rPr lang="en-US" smtClean="0"/>
               <a:pPr/>
-              <a:t>2/11/2019</a:t>
+              <a:t>2/25/2020</a:t>
             </a:fld>
             <a:endParaRPr lang="en-US"/>
           </a:p>
@@ -1987,7 +1987,7 @@
             <a:fld id="{1D8BD707-D9CF-40AE-B4C6-C98DA3205C09}" type="datetimeFigureOut">
               <a:rPr lang="en-US" smtClean="0"/>
               <a:pPr/>
-              <a:t>2/11/2019</a:t>
+              <a:t>2/25/2020</a:t>
             </a:fld>
             <a:endParaRPr lang="en-US"/>
           </a:p>
@@ -2229,7 +2229,7 @@
             <a:fld id="{1D8BD707-D9CF-40AE-B4C6-C98DA3205C09}" type="datetimeFigureOut">
               <a:rPr lang="en-US" smtClean="0"/>
               <a:pPr/>
-              <a:t>2/11/2019</a:t>
+              <a:t>2/25/2020</a:t>
             </a:fld>
             <a:endParaRPr lang="en-US"/>
           </a:p>
@@ -2511,7 +2511,7 @@
             <a:fld id="{1D8BD707-D9CF-40AE-B4C6-C98DA3205C09}" type="datetimeFigureOut">
               <a:rPr lang="en-US" smtClean="0"/>
               <a:pPr/>
-              <a:t>2/11/2019</a:t>
+              <a:t>2/25/2020</a:t>
             </a:fld>
             <a:endParaRPr lang="en-US"/>
           </a:p>
@@ -2927,7 +2927,7 @@
             <a:fld id="{1D8BD707-D9CF-40AE-B4C6-C98DA3205C09}" type="datetimeFigureOut">
               <a:rPr lang="en-US" smtClean="0"/>
               <a:pPr/>
-              <a:t>2/11/2019</a:t>
+              <a:t>2/25/2020</a:t>
             </a:fld>
             <a:endParaRPr lang="en-US"/>
           </a:p>
@@ -3041,7 +3041,7 @@
             <a:fld id="{1D8BD707-D9CF-40AE-B4C6-C98DA3205C09}" type="datetimeFigureOut">
               <a:rPr lang="en-US" smtClean="0"/>
               <a:pPr/>
-              <a:t>2/11/2019</a:t>
+              <a:t>2/25/2020</a:t>
             </a:fld>
             <a:endParaRPr lang="en-US"/>
           </a:p>
@@ -3133,7 +3133,7 @@
             <a:fld id="{1D8BD707-D9CF-40AE-B4C6-C98DA3205C09}" type="datetimeFigureOut">
               <a:rPr lang="en-US" smtClean="0"/>
               <a:pPr/>
-              <a:t>2/11/2019</a:t>
+              <a:t>2/25/2020</a:t>
             </a:fld>
             <a:endParaRPr lang="en-US"/>
           </a:p>
@@ -3405,7 +3405,7 @@
             <a:fld id="{1D8BD707-D9CF-40AE-B4C6-C98DA3205C09}" type="datetimeFigureOut">
               <a:rPr lang="en-US" smtClean="0"/>
               <a:pPr/>
-              <a:t>2/11/2019</a:t>
+              <a:t>2/25/2020</a:t>
             </a:fld>
             <a:endParaRPr lang="en-US"/>
           </a:p>
@@ -3654,7 +3654,7 @@
             <a:fld id="{1D8BD707-D9CF-40AE-B4C6-C98DA3205C09}" type="datetimeFigureOut">
               <a:rPr lang="en-US" smtClean="0"/>
               <a:pPr/>
-              <a:t>2/11/2019</a:t>
+              <a:t>2/25/2020</a:t>
             </a:fld>
             <a:endParaRPr lang="en-US"/>
           </a:p>
@@ -3862,7 +3862,7 @@
             <a:fld id="{1D8BD707-D9CF-40AE-B4C6-C98DA3205C09}" type="datetimeFigureOut">
               <a:rPr lang="en-US" smtClean="0"/>
               <a:pPr/>
-              <a:t>2/11/2019</a:t>
+              <a:t>2/25/2020</a:t>
             </a:fld>
             <a:endParaRPr lang="en-US"/>
           </a:p>
@@ -7023,14 +7023,20 @@
       </p:sp>
       <p:sp>
         <p:nvSpPr>
-          <p:cNvPr id="16" name="Rectangle 15"/>
+          <p:cNvPr id="2" name="Rectangle 1">
+            <a:extLst>
+              <a:ext uri="{FF2B5EF4-FFF2-40B4-BE49-F238E27FC236}">
+                <a16:creationId xmlns:a16="http://schemas.microsoft.com/office/drawing/2014/main" id="{B3D75EBB-15AF-4AFA-98AA-89EF2F88C598}"/>
+              </a:ext>
+            </a:extLst>
+          </p:cNvPr>
           <p:cNvSpPr/>
           <p:nvPr/>
         </p:nvSpPr>
         <p:spPr>
           <a:xfrm>
-            <a:off x="0" y="6553200"/>
-            <a:ext cx="11506200" cy="276999"/>
+            <a:off x="228600" y="6400800"/>
+            <a:ext cx="11430000" cy="307777"/>
           </a:xfrm>
           <a:prstGeom prst="rect">
             <a:avLst/>
@@ -7043,9 +7049,12 @@
           <a:lstStyle/>
           <a:p>
             <a:r>
-              <a:rPr lang="en-US" sz="1200" dirty="0"/>
-              <a:t>https://github.com/afodor/metagenomicsTools/blob/master/src/metropolitan/realTimeGraphUpdates.txt</a:t>
-            </a:r>
+              <a:rPr lang="en-US" sz="1400" dirty="0">
+                <a:hlinkClick r:id="rId4"/>
+              </a:rPr>
+              <a:t>https://github.com/afodor/metagenomicsTools/blob/master/src/metropolitan/realTimeGraphUpdates2.txt</a:t>
+            </a:r>
+            <a:endParaRPr lang="en-US" sz="1400" dirty="0"/>
           </a:p>
         </p:txBody>
       </p:sp>
@@ -8799,67 +8808,65 @@
           <a:chExt cx="0" cy="0"/>
         </a:xfrm>
       </p:grpSpPr>
+      <p:sp>
+        <p:nvSpPr>
+          <p:cNvPr id="5" name="TextBox 4"/>
+          <p:cNvSpPr txBox="1"/>
+          <p:nvPr/>
+        </p:nvSpPr>
+        <p:spPr>
+          <a:xfrm>
+            <a:off x="381000" y="228600"/>
+            <a:ext cx="5791200" cy="369332"/>
+          </a:xfrm>
+          <a:prstGeom prst="rect">
+            <a:avLst/>
+          </a:prstGeom>
+          <a:noFill/>
+        </p:spPr>
+        <p:txBody>
+          <a:bodyPr wrap="square" rtlCol="0">
+            <a:spAutoFit/>
+          </a:bodyPr>
+          <a:lstStyle/>
+          <a:p>
+            <a:r>
+              <a:rPr lang="en-US" dirty="0"/>
+              <a:t>It is trivial to make this our new prior…</a:t>
+            </a:r>
+          </a:p>
+        </p:txBody>
+      </p:sp>
       <p:pic>
         <p:nvPicPr>
-          <p:cNvPr id="5122" name="Picture 2"/>
+          <p:cNvPr id="2" name="Picture 1">
+            <a:extLst>
+              <a:ext uri="{FF2B5EF4-FFF2-40B4-BE49-F238E27FC236}">
+                <a16:creationId xmlns:a16="http://schemas.microsoft.com/office/drawing/2014/main" id="{9B304FA7-30D8-423D-83B3-4ED6F558493F}"/>
+              </a:ext>
+            </a:extLst>
+          </p:cNvPr>
           <p:cNvPicPr>
-            <a:picLocks noChangeAspect="1" noChangeArrowheads="1"/>
+            <a:picLocks noChangeAspect="1"/>
           </p:cNvPicPr>
           <p:nvPr/>
         </p:nvPicPr>
         <p:blipFill>
-          <a:blip r:embed="rId2" cstate="print"/>
-          <a:srcRect/>
+          <a:blip r:embed="rId2"/>
           <a:stretch>
             <a:fillRect/>
           </a:stretch>
         </p:blipFill>
-        <p:spPr bwMode="auto">
-          <a:xfrm>
-            <a:off x="685800" y="685800"/>
-            <a:ext cx="6477000" cy="5806574"/>
-          </a:xfrm>
-          <a:prstGeom prst="rect">
-            <a:avLst/>
-          </a:prstGeom>
-          <a:noFill/>
-          <a:ln w="9525">
-            <a:noFill/>
-            <a:miter lim="800000"/>
-            <a:headEnd/>
-            <a:tailEnd/>
-          </a:ln>
+        <p:spPr>
+          <a:xfrm>
+            <a:off x="228600" y="672380"/>
+            <a:ext cx="7391400" cy="5831104"/>
+          </a:xfrm>
+          <a:prstGeom prst="rect">
+            <a:avLst/>
+          </a:prstGeom>
         </p:spPr>
       </p:pic>
-      <p:sp>
-        <p:nvSpPr>
-          <p:cNvPr id="5" name="TextBox 4"/>
-          <p:cNvSpPr txBox="1"/>
-          <p:nvPr/>
-        </p:nvSpPr>
-        <p:spPr>
-          <a:xfrm>
-            <a:off x="381000" y="228600"/>
-            <a:ext cx="5791200" cy="369332"/>
-          </a:xfrm>
-          <a:prstGeom prst="rect">
-            <a:avLst/>
-          </a:prstGeom>
-          <a:noFill/>
-        </p:spPr>
-        <p:txBody>
-          <a:bodyPr wrap="square" rtlCol="0">
-            <a:spAutoFit/>
-          </a:bodyPr>
-          <a:lstStyle/>
-          <a:p>
-            <a:r>
-              <a:rPr lang="en-US" dirty="0"/>
-              <a:t>It is trivial to make this our new prior…</a:t>
-            </a:r>
-          </a:p>
-        </p:txBody>
-      </p:sp>
     </p:spTree>
   </p:cSld>
   <p:clrMapOvr>
